--- a/Summary Presentation.pptx
+++ b/Summary Presentation.pptx
@@ -3183,7 +3183,7 @@
           <a:p>
             <a:fld id="{02AC24A9-CCB6-4F8D-B8DB-C2F3692CFA5A}" type="datetimeFigureOut">
               <a:rPr lang="en-US" smtClean="0"/>
-              <a:t>23-Apr-25</a:t>
+              <a:t>18-Sep-25</a:t>
             </a:fld>
             <a:endParaRPr lang="en-US" dirty="0"/>
           </a:p>
@@ -3553,7 +3553,7 @@
           <a:p>
             <a:fld id="{02AC24A9-CCB6-4F8D-B8DB-C2F3692CFA5A}" type="datetimeFigureOut">
               <a:rPr lang="en-US" smtClean="0"/>
-              <a:t>23-Apr-25</a:t>
+              <a:t>18-Sep-25</a:t>
             </a:fld>
             <a:endParaRPr lang="en-US"/>
           </a:p>
@@ -3762,7 +3762,7 @@
           <a:p>
             <a:fld id="{02AC24A9-CCB6-4F8D-B8DB-C2F3692CFA5A}" type="datetimeFigureOut">
               <a:rPr lang="en-US" smtClean="0"/>
-              <a:t>23-Apr-25</a:t>
+              <a:t>18-Sep-25</a:t>
             </a:fld>
             <a:endParaRPr lang="en-US"/>
           </a:p>
@@ -3966,7 +3966,7 @@
           <a:p>
             <a:fld id="{02AC24A9-CCB6-4F8D-B8DB-C2F3692CFA5A}" type="datetimeFigureOut">
               <a:rPr lang="en-US" smtClean="0"/>
-              <a:t>23-Apr-25</a:t>
+              <a:t>18-Sep-25</a:t>
             </a:fld>
             <a:endParaRPr lang="en-US" dirty="0"/>
           </a:p>
@@ -4136,7 +4136,7 @@
           <a:p>
             <a:fld id="{02AC24A9-CCB6-4F8D-B8DB-C2F3692CFA5A}" type="datetimeFigureOut">
               <a:rPr lang="en-US" smtClean="0"/>
-              <a:t>23-Apr-25</a:t>
+              <a:t>18-Sep-25</a:t>
             </a:fld>
             <a:endParaRPr lang="en-US"/>
           </a:p>
@@ -4380,7 +4380,7 @@
           <a:p>
             <a:fld id="{02AC24A9-CCB6-4F8D-B8DB-C2F3692CFA5A}" type="datetimeFigureOut">
               <a:rPr lang="en-US" smtClean="0"/>
-              <a:t>23-Apr-25</a:t>
+              <a:t>18-Sep-25</a:t>
             </a:fld>
             <a:endParaRPr lang="en-US"/>
           </a:p>
@@ -4612,7 +4612,7 @@
           <a:p>
             <a:fld id="{02AC24A9-CCB6-4F8D-B8DB-C2F3692CFA5A}" type="datetimeFigureOut">
               <a:rPr lang="en-US" smtClean="0"/>
-              <a:t>23-Apr-25</a:t>
+              <a:t>18-Sep-25</a:t>
             </a:fld>
             <a:endParaRPr lang="en-US"/>
           </a:p>
@@ -4979,7 +4979,7 @@
           <a:p>
             <a:fld id="{02AC24A9-CCB6-4F8D-B8DB-C2F3692CFA5A}" type="datetimeFigureOut">
               <a:rPr lang="en-US" smtClean="0"/>
-              <a:t>23-Apr-25</a:t>
+              <a:t>18-Sep-25</a:t>
             </a:fld>
             <a:endParaRPr lang="en-US"/>
           </a:p>
@@ -5097,7 +5097,7 @@
           <a:p>
             <a:fld id="{02AC24A9-CCB6-4F8D-B8DB-C2F3692CFA5A}" type="datetimeFigureOut">
               <a:rPr lang="en-US" smtClean="0"/>
-              <a:t>23-Apr-25</a:t>
+              <a:t>18-Sep-25</a:t>
             </a:fld>
             <a:endParaRPr lang="en-US"/>
           </a:p>
@@ -5192,7 +5192,7 @@
           <a:p>
             <a:fld id="{02AC24A9-CCB6-4F8D-B8DB-C2F3692CFA5A}" type="datetimeFigureOut">
               <a:rPr lang="en-US" smtClean="0"/>
-              <a:t>23-Apr-25</a:t>
+              <a:t>18-Sep-25</a:t>
             </a:fld>
             <a:endParaRPr lang="en-US"/>
           </a:p>
@@ -5469,7 +5469,7 @@
           <a:p>
             <a:fld id="{02AC24A9-CCB6-4F8D-B8DB-C2F3692CFA5A}" type="datetimeFigureOut">
               <a:rPr lang="en-US" smtClean="0"/>
-              <a:t>23-Apr-25</a:t>
+              <a:t>18-Sep-25</a:t>
             </a:fld>
             <a:endParaRPr lang="en-US" dirty="0"/>
           </a:p>
@@ -5927,7 +5927,7 @@
           <a:p>
             <a:fld id="{02AC24A9-CCB6-4F8D-B8DB-C2F3692CFA5A}" type="datetimeFigureOut">
               <a:rPr lang="en-US" smtClean="0"/>
-              <a:t>23-Apr-25</a:t>
+              <a:t>18-Sep-25</a:t>
             </a:fld>
             <a:endParaRPr lang="en-US"/>
           </a:p>
@@ -6201,7 +6201,7 @@
           <a:p>
             <a:fld id="{02AC24A9-CCB6-4F8D-B8DB-C2F3692CFA5A}" type="datetimeFigureOut">
               <a:rPr lang="en-US" smtClean="0"/>
-              <a:t>23-Apr-25</a:t>
+              <a:t>18-Sep-25</a:t>
             </a:fld>
             <a:endParaRPr lang="en-US"/>
           </a:p>
@@ -6371,7 +6371,7 @@
           <a:p>
             <a:fld id="{02AC24A9-CCB6-4F8D-B8DB-C2F3692CFA5A}" type="datetimeFigureOut">
               <a:rPr lang="en-US" smtClean="0"/>
-              <a:t>23-Apr-25</a:t>
+              <a:t>18-Sep-25</a:t>
             </a:fld>
             <a:endParaRPr lang="en-US"/>
           </a:p>
@@ -6551,7 +6551,7 @@
           <a:p>
             <a:fld id="{02AC24A9-CCB6-4F8D-B8DB-C2F3692CFA5A}" type="datetimeFigureOut">
               <a:rPr lang="en-US" smtClean="0"/>
-              <a:t>23-Apr-25</a:t>
+              <a:t>18-Sep-25</a:t>
             </a:fld>
             <a:endParaRPr lang="en-US"/>
           </a:p>
@@ -6988,7 +6988,7 @@
           <a:p>
             <a:fld id="{02AC24A9-CCB6-4F8D-B8DB-C2F3692CFA5A}" type="datetimeFigureOut">
               <a:rPr lang="en-US" smtClean="0"/>
-              <a:t>23-Apr-25</a:t>
+              <a:t>18-Sep-25</a:t>
             </a:fld>
             <a:endParaRPr lang="en-US"/>
           </a:p>
@@ -7520,7 +7520,7 @@
           <a:p>
             <a:fld id="{02AC24A9-CCB6-4F8D-B8DB-C2F3692CFA5A}" type="datetimeFigureOut">
               <a:rPr lang="en-US" smtClean="0"/>
-              <a:t>23-Apr-25</a:t>
+              <a:t>18-Sep-25</a:t>
             </a:fld>
             <a:endParaRPr lang="en-US"/>
           </a:p>
@@ -8219,7 +8219,7 @@
           <a:p>
             <a:fld id="{02AC24A9-CCB6-4F8D-B8DB-C2F3692CFA5A}" type="datetimeFigureOut">
               <a:rPr lang="en-US" smtClean="0"/>
-              <a:t>23-Apr-25</a:t>
+              <a:t>18-Sep-25</a:t>
             </a:fld>
             <a:endParaRPr lang="en-US"/>
           </a:p>
@@ -8548,7 +8548,7 @@
           <a:p>
             <a:fld id="{02AC24A9-CCB6-4F8D-B8DB-C2F3692CFA5A}" type="datetimeFigureOut">
               <a:rPr lang="en-US" smtClean="0"/>
-              <a:t>23-Apr-25</a:t>
+              <a:t>18-Sep-25</a:t>
             </a:fld>
             <a:endParaRPr lang="en-US"/>
           </a:p>
@@ -8661,7 +8661,7 @@
           <a:p>
             <a:fld id="{02AC24A9-CCB6-4F8D-B8DB-C2F3692CFA5A}" type="datetimeFigureOut">
               <a:rPr lang="en-US" smtClean="0"/>
-              <a:t>23-Apr-25</a:t>
+              <a:t>18-Sep-25</a:t>
             </a:fld>
             <a:endParaRPr lang="en-US"/>
           </a:p>
@@ -9156,7 +9156,7 @@
           <a:p>
             <a:fld id="{02AC24A9-CCB6-4F8D-B8DB-C2F3692CFA5A}" type="datetimeFigureOut">
               <a:rPr lang="en-US" smtClean="0"/>
-              <a:t>23-Apr-25</a:t>
+              <a:t>18-Sep-25</a:t>
             </a:fld>
             <a:endParaRPr lang="en-US" dirty="0"/>
           </a:p>
@@ -9633,7 +9633,7 @@
           <a:p>
             <a:fld id="{02AC24A9-CCB6-4F8D-B8DB-C2F3692CFA5A}" type="datetimeFigureOut">
               <a:rPr lang="en-US" smtClean="0"/>
-              <a:t>23-Apr-25</a:t>
+              <a:t>18-Sep-25</a:t>
             </a:fld>
             <a:endParaRPr lang="en-US"/>
           </a:p>
@@ -9876,7 +9876,7 @@
           <a:p>
             <a:fld id="{02AC24A9-CCB6-4F8D-B8DB-C2F3692CFA5A}" type="datetimeFigureOut">
               <a:rPr lang="en-US" smtClean="0"/>
-              <a:t>23-Apr-25</a:t>
+              <a:t>18-Sep-25</a:t>
             </a:fld>
             <a:endParaRPr lang="en-US"/>
           </a:p>
@@ -10428,7 +10428,7 @@
           <a:p>
             <a:fld id="{02AC24A9-CCB6-4F8D-B8DB-C2F3692CFA5A}" type="datetimeFigureOut">
               <a:rPr lang="en-US" smtClean="0"/>
-              <a:t>23-Apr-25</a:t>
+              <a:t>18-Sep-25</a:t>
             </a:fld>
             <a:endParaRPr lang="en-US"/>
           </a:p>
@@ -12495,10 +12495,16 @@
               <a:buChar char="•"/>
             </a:pPr>
             <a:r>
+              <a:rPr lang="en-US" sz="2000">
+                <a:latin typeface="Avenir Next LT Pro" panose="020B0504020202020204" pitchFamily="34" charset="0"/>
+              </a:rPr>
+              <a:t>Line </a:t>
+            </a:r>
+            <a:r>
               <a:rPr lang="en-US" sz="2000" dirty="0">
                 <a:latin typeface="Avenir Next LT Pro" panose="020B0504020202020204" pitchFamily="34" charset="0"/>
               </a:rPr>
-              <a:t>Clustered Bar Chart: YoY MW change by company/year.</a:t>
+              <a:t>Chart: YoY MW change by company/year.</a:t>
             </a:r>
           </a:p>
           <a:p>
@@ -12759,19 +12765,7 @@
               <a:rPr lang="en-US" sz="2000" dirty="0">
                 <a:latin typeface="Avenir Next LT Pro" panose="020B0504020202020204" pitchFamily="34" charset="0"/>
               </a:rPr>
-              <a:t> as the highest consumer of energy, peaking at 62k MW </a:t>
-            </a:r>
-            <a:r>
-              <a:rPr lang="en-US" sz="2000">
-                <a:latin typeface="Avenir Next LT Pro" panose="020B0504020202020204" pitchFamily="34" charset="0"/>
-              </a:rPr>
-              <a:t>(08-Feb-2006</a:t>
-            </a:r>
-            <a:r>
-              <a:rPr lang="en-US" sz="2000" dirty="0">
-                <a:latin typeface="Avenir Next LT Pro" panose="020B0504020202020204" pitchFamily="34" charset="0"/>
-              </a:rPr>
-              <a:t>), an hourly average of over 32k MW, and 4.69B MW total, critical for YoY analysis.</a:t>
+              <a:t> as the highest consumer of energy, peaking at 62k MW (08-Feb-2006), an hourly average of over 32k MW, and 4.69B MW total, critical for YoY analysis.</a:t>
             </a:r>
           </a:p>
           <a:p>
